--- a/doc/总答辩.ptx.pptx
+++ b/doc/总答辩.ptx.pptx
@@ -5,10 +5,10 @@
     <p:sldMasterId id="2147483648" r:id="rId1"/>
   </p:sldMasterIdLst>
   <p:notesMasterIdLst>
-    <p:notesMasterId r:id="rId9"/>
+    <p:notesMasterId r:id="rId14"/>
   </p:notesMasterIdLst>
   <p:handoutMasterIdLst>
-    <p:handoutMasterId r:id="rId10"/>
+    <p:handoutMasterId r:id="rId15"/>
   </p:handoutMasterIdLst>
   <p:sldIdLst>
     <p:sldId id="256" r:id="rId3"/>
@@ -17,6 +17,11 @@
     <p:sldId id="258" r:id="rId6"/>
     <p:sldId id="259" r:id="rId7"/>
     <p:sldId id="260" r:id="rId8"/>
+    <p:sldId id="273" r:id="rId9"/>
+    <p:sldId id="274" r:id="rId10"/>
+    <p:sldId id="275" r:id="rId11"/>
+    <p:sldId id="276" r:id="rId12"/>
+    <p:sldId id="277" r:id="rId13"/>
   </p:sldIdLst>
   <p:sldSz cx="12192000" cy="6858000"/>
   <p:notesSz cx="7103745" cy="10234295"/>
@@ -3529,7 +3534,7 @@
         <p:spPr/>
         <p:txBody>
           <a:bodyPr>
-            <a:normAutofit fontScale="90000"/>
+            <a:normAutofit/>
           </a:bodyPr>
           <a:p>
             <a:r>
@@ -3559,7 +3564,23 @@
             <a:br>
               <a:rPr lang="zh-CN" altLang="en-US"/>
             </a:br>
-            <a:endParaRPr lang="zh-CN" altLang="en-US"/>
+            <a:r>
+              <a:rPr lang="zh-CN" altLang="en-US" sz="3200"/>
+              <a:t>-</a:t>
+            </a:r>
+            <a:r>
+              <a:rPr lang="en-US" altLang="zh-CN" sz="3200"/>
+              <a:t>-</a:t>
+            </a:r>
+            <a:r>
+              <a:rPr lang="zh-CN" altLang="en-US" sz="3200"/>
+              <a:t>考研全知道</a:t>
+            </a:r>
+            <a:r>
+              <a:rPr lang="en-US" altLang="zh-CN" sz="3200"/>
+              <a:t>APP</a:t>
+            </a:r>
+            <a:endParaRPr lang="en-US" altLang="zh-CN" sz="3200"/>
           </a:p>
         </p:txBody>
       </p:sp>
@@ -3573,22 +3594,309 @@
             <p:ph type="subTitle" idx="1"/>
           </p:nvPr>
         </p:nvSpPr>
-        <p:spPr/>
+        <p:spPr>
+          <a:xfrm>
+            <a:off x="1524000" y="3542983"/>
+            <a:ext cx="9144000" cy="1655762"/>
+          </a:xfrm>
+        </p:spPr>
         <p:txBody>
           <a:bodyPr/>
           <a:p>
             <a:r>
-              <a:rPr lang="zh-CN" altLang="en-US" sz="2800"/>
-              <a:t>报告总结</a:t>
-            </a:r>
-            <a:endParaRPr lang="zh-CN" altLang="en-US"/>
-          </a:p>
-          <a:p>
-            <a:r>
               <a:rPr lang="zh-CN" altLang="en-US"/>
-              <a:t>曾强辉 瞿信 胡成涛 李泽冯 周建军 张煜青</a:t>
-            </a:r>
-            <a:endParaRPr lang="zh-CN" altLang="en-US"/>
+              <a:t>曾强辉 瞿信 胡成涛 </a:t>
+            </a:r>
+            <a:endParaRPr lang="zh-CN" altLang="en-US"/>
+          </a:p>
+          <a:p>
+            <a:r>
+              <a:rPr lang="zh-CN" altLang="en-US"/>
+              <a:t>李泽冯 周建军 张煜青</a:t>
+            </a:r>
+            <a:endParaRPr lang="zh-CN" altLang="en-US"/>
+          </a:p>
+        </p:txBody>
+      </p:sp>
+      <p:sp>
+        <p:nvSpPr>
+          <p:cNvPr id="4" name="文本框 3"/>
+          <p:cNvSpPr txBox="1"/>
+          <p:nvPr/>
+        </p:nvSpPr>
+        <p:spPr>
+          <a:xfrm>
+            <a:off x="2451735" y="4830445"/>
+            <a:ext cx="4396740" cy="368300"/>
+          </a:xfrm>
+          <a:prstGeom prst="rect">
+            <a:avLst/>
+          </a:prstGeom>
+          <a:noFill/>
+        </p:spPr>
+        <p:txBody>
+          <a:bodyPr wrap="square" rtlCol="0">
+            <a:spAutoFit/>
+          </a:bodyPr>
+          <a:p>
+            <a:pPr algn="ctr"/>
+            <a:r>
+              <a:rPr lang="en-US" altLang="zh-CN"/>
+              <a:t> </a:t>
+            </a:r>
+            <a:r>
+              <a:rPr lang="zh-CN" altLang="en-US"/>
+              <a:t>指导老师：龚伟 </a:t>
+            </a:r>
+            <a:endParaRPr lang="zh-CN" altLang="en-US"/>
+          </a:p>
+        </p:txBody>
+      </p:sp>
+      <p:sp>
+        <p:nvSpPr>
+          <p:cNvPr id="5" name="文本框 4"/>
+          <p:cNvSpPr txBox="1"/>
+          <p:nvPr/>
+        </p:nvSpPr>
+        <p:spPr>
+          <a:xfrm>
+            <a:off x="3818255" y="3543300"/>
+            <a:ext cx="1123950" cy="368300"/>
+          </a:xfrm>
+          <a:prstGeom prst="rect">
+            <a:avLst/>
+          </a:prstGeom>
+          <a:noFill/>
+        </p:spPr>
+        <p:txBody>
+          <a:bodyPr wrap="square" rtlCol="0">
+            <a:spAutoFit/>
+          </a:bodyPr>
+          <a:p>
+            <a:r>
+              <a:rPr lang="zh-CN" altLang="en-US"/>
+              <a:t>报告人：</a:t>
+            </a:r>
+            <a:endParaRPr lang="zh-CN" altLang="en-US"/>
+          </a:p>
+        </p:txBody>
+      </p:sp>
+    </p:spTree>
+  </p:cSld>
+  <p:clrMapOvr>
+    <a:masterClrMapping/>
+  </p:clrMapOvr>
+</p:sld>
+</file>
+
+<file path=ppt/slides/slide10.xml><?xml version="1.0" encoding="utf-8"?>
+<p:sld xmlns:a="http://schemas.openxmlformats.org/drawingml/2006/main" xmlns:r="http://schemas.openxmlformats.org/officeDocument/2006/relationships" xmlns:p="http://schemas.openxmlformats.org/presentationml/2006/main">
+  <p:cSld>
+    <p:bg>
+      <p:bgPr>
+        <a:gradFill>
+          <a:gsLst>
+            <a:gs pos="0">
+              <a:schemeClr val="accent1">
+                <a:lumMod val="5000"/>
+                <a:lumOff val="95000"/>
+              </a:schemeClr>
+            </a:gs>
+            <a:gs pos="74000">
+              <a:schemeClr val="accent1">
+                <a:lumMod val="45000"/>
+                <a:lumOff val="55000"/>
+              </a:schemeClr>
+            </a:gs>
+            <a:gs pos="83000">
+              <a:schemeClr val="accent1">
+                <a:lumMod val="45000"/>
+                <a:lumOff val="55000"/>
+              </a:schemeClr>
+            </a:gs>
+            <a:gs pos="100000">
+              <a:schemeClr val="accent1">
+                <a:lumMod val="30000"/>
+                <a:lumOff val="70000"/>
+              </a:schemeClr>
+            </a:gs>
+          </a:gsLst>
+          <a:lin ang="5400000" scaled="0"/>
+        </a:gradFill>
+        <a:effectLst/>
+      </p:bgPr>
+    </p:bg>
+    <p:spTree>
+      <p:nvGrpSpPr>
+        <p:cNvPr id="1" name=""/>
+        <p:cNvGrpSpPr/>
+        <p:nvPr/>
+      </p:nvGrpSpPr>
+      <p:grpSpPr/>
+      <p:sp>
+        <p:nvSpPr>
+          <p:cNvPr id="2" name="标题 1"/>
+          <p:cNvSpPr>
+            <a:spLocks noGrp="1"/>
+          </p:cNvSpPr>
+          <p:nvPr>
+            <p:ph type="title"/>
+          </p:nvPr>
+        </p:nvSpPr>
+        <p:spPr>
+          <a:xfrm>
+            <a:off x="452755" y="1440180"/>
+            <a:ext cx="10154920" cy="642620"/>
+          </a:xfrm>
+        </p:spPr>
+        <p:txBody>
+          <a:bodyPr/>
+          <a:p>
+            <a:r>
+              <a:rPr lang="zh-CN" altLang="en-US" sz="2800" b="0">
+                <a:latin typeface="华文黑体" panose="02010600040101010101" charset="-122"/>
+                <a:ea typeface="华文黑体" panose="02010600040101010101" charset="-122"/>
+                <a:cs typeface="华文黑体" panose="02010600040101010101" charset="-122"/>
+                <a:sym typeface="+mn-ea"/>
+              </a:rPr>
+              <a:t>项目总结：</a:t>
+            </a:r>
+            <a:endParaRPr lang="zh-CN" altLang="en-US" sz="2800" b="0">
+              <a:latin typeface="华文黑体" panose="02010600040101010101" charset="-122"/>
+              <a:ea typeface="华文黑体" panose="02010600040101010101" charset="-122"/>
+              <a:cs typeface="华文黑体" panose="02010600040101010101" charset="-122"/>
+              <a:sym typeface="+mn-ea"/>
+            </a:endParaRPr>
+          </a:p>
+        </p:txBody>
+      </p:sp>
+      <p:sp>
+        <p:nvSpPr>
+          <p:cNvPr id="3" name="内容占位符 2"/>
+          <p:cNvSpPr>
+            <a:spLocks noGrp="1"/>
+          </p:cNvSpPr>
+          <p:nvPr>
+            <p:ph idx="1"/>
+          </p:nvPr>
+        </p:nvSpPr>
+        <p:spPr>
+          <a:xfrm>
+            <a:off x="2156460" y="2607310"/>
+            <a:ext cx="7674610" cy="1791970"/>
+          </a:xfrm>
+        </p:spPr>
+        <p:txBody>
+          <a:bodyPr>
+            <a:normAutofit fontScale="90000"/>
+          </a:bodyPr>
+          <a:p>
+            <a:pPr marL="0" indent="0" algn="ctr">
+              <a:buNone/>
+            </a:pPr>
+            <a:endParaRPr lang="zh-CN" altLang="en-US"/>
+          </a:p>
+          <a:p>
+            <a:pPr marL="0" indent="0">
+              <a:buNone/>
+            </a:pPr>
+            <a:r>
+              <a:rPr lang="zh-CN" altLang="en-US" sz="2000"/>
+              <a:t>     本项目经历远景分析、可行性分析、确认用户对象、需求捕获、整体设计、详细设计、代码实现，集成测试等阶段，完成了部分详细设计中的功能其中包括用户注册</a:t>
+            </a:r>
+            <a:r>
+              <a:rPr lang="en-US" altLang="zh-CN" sz="2000"/>
+              <a:t>/</a:t>
+            </a:r>
+            <a:r>
+              <a:rPr lang="zh-CN" altLang="en-US" sz="2000"/>
+              <a:t>登陆，多线程的开发、信息数据的浏览，视频的自动化调节等，这些功能的完成离开不团队的配合。在项目开发中遇到的技术难点，通过查阅资料，相互探讨来解决的，但我们需要继续努力。</a:t>
+            </a:r>
+            <a:endParaRPr lang="zh-CN" altLang="en-US" sz="2000"/>
+          </a:p>
+        </p:txBody>
+      </p:sp>
+    </p:spTree>
+  </p:cSld>
+  <p:clrMapOvr>
+    <a:masterClrMapping/>
+  </p:clrMapOvr>
+</p:sld>
+</file>
+
+<file path=ppt/slides/slide11.xml><?xml version="1.0" encoding="utf-8"?>
+<p:sld xmlns:a="http://schemas.openxmlformats.org/drawingml/2006/main" xmlns:r="http://schemas.openxmlformats.org/officeDocument/2006/relationships" xmlns:p="http://schemas.openxmlformats.org/presentationml/2006/main">
+  <p:cSld>
+    <p:bg>
+      <p:bgPr>
+        <a:gradFill>
+          <a:gsLst>
+            <a:gs pos="0">
+              <a:schemeClr val="accent1">
+                <a:lumMod val="5000"/>
+                <a:lumOff val="95000"/>
+              </a:schemeClr>
+            </a:gs>
+            <a:gs pos="74000">
+              <a:schemeClr val="accent1">
+                <a:lumMod val="45000"/>
+                <a:lumOff val="55000"/>
+              </a:schemeClr>
+            </a:gs>
+            <a:gs pos="83000">
+              <a:schemeClr val="accent1">
+                <a:lumMod val="45000"/>
+                <a:lumOff val="55000"/>
+              </a:schemeClr>
+            </a:gs>
+            <a:gs pos="100000">
+              <a:schemeClr val="accent1">
+                <a:lumMod val="30000"/>
+                <a:lumOff val="70000"/>
+              </a:schemeClr>
+            </a:gs>
+          </a:gsLst>
+          <a:lin ang="5400000" scaled="0"/>
+        </a:gradFill>
+        <a:effectLst/>
+      </p:bgPr>
+    </p:bg>
+    <p:spTree>
+      <p:nvGrpSpPr>
+        <p:cNvPr id="1" name=""/>
+        <p:cNvGrpSpPr/>
+        <p:nvPr/>
+      </p:nvGrpSpPr>
+      <p:grpSpPr/>
+      <p:sp>
+        <p:nvSpPr>
+          <p:cNvPr id="3" name="内容占位符 2"/>
+          <p:cNvSpPr>
+            <a:spLocks noGrp="1"/>
+          </p:cNvSpPr>
+          <p:nvPr>
+            <p:ph idx="1"/>
+          </p:nvPr>
+        </p:nvSpPr>
+        <p:spPr>
+          <a:xfrm>
+            <a:off x="2258695" y="3201670"/>
+            <a:ext cx="7674610" cy="454660"/>
+          </a:xfrm>
+        </p:spPr>
+        <p:txBody>
+          <a:bodyPr>
+            <a:noAutofit/>
+          </a:bodyPr>
+          <a:p>
+            <a:pPr marL="0" indent="0" algn="ctr">
+              <a:buNone/>
+            </a:pPr>
+            <a:r>
+              <a:rPr lang="zh-CN" altLang="en-US" sz="4000" b="1"/>
+              <a:t>谢谢倾听！</a:t>
+            </a:r>
+            <a:endParaRPr lang="zh-CN" altLang="en-US" sz="4000" b="1"/>
           </a:p>
         </p:txBody>
       </p:sp>
@@ -3678,11 +3986,73 @@
         </p:nvSpPr>
         <p:spPr/>
         <p:txBody>
-          <a:bodyPr/>
+          <a:bodyPr>
+            <a:normAutofit/>
+          </a:bodyPr>
           <a:p>
             <a:r>
               <a:rPr lang="zh-CN" altLang="en-US"/>
-              <a:t>我们是一个类似于知乎的考研资讯平台，向考生提供信息渠道，帮助他们解决考研的路上的所遇到的问题。</a:t>
+              <a:t>我们是一个类似于知乎的考研信息展示平台，向考生提供信息渠道，帮助他们解决考研的路上的所遇到的问题。</a:t>
+            </a:r>
+            <a:endParaRPr lang="zh-CN" altLang="en-US"/>
+          </a:p>
+          <a:p>
+            <a:endParaRPr lang="zh-CN" altLang="en-US"/>
+          </a:p>
+          <a:p>
+            <a:r>
+              <a:rPr lang="zh-CN" altLang="en-US"/>
+              <a:t>我们通过通过类似的</a:t>
+            </a:r>
+            <a:r>
+              <a:rPr lang="en-US" altLang="zh-CN"/>
+              <a:t>app</a:t>
+            </a:r>
+            <a:r>
+              <a:rPr lang="zh-CN" altLang="en-US"/>
+              <a:t>和用户调查来获取需求，同时我们小组人员也有考研学生，即是开发者也是用户。</a:t>
+            </a:r>
+            <a:endParaRPr lang="zh-CN" altLang="en-US"/>
+          </a:p>
+          <a:p>
+            <a:endParaRPr lang="zh-CN" altLang="en-US"/>
+          </a:p>
+          <a:p>
+            <a:r>
+              <a:rPr lang="zh-CN" altLang="en-US"/>
+              <a:t>目前实现了用</a:t>
+            </a:r>
+            <a:r>
+              <a:rPr lang="zh-CN" altLang="en-US">
+                <a:sym typeface="+mn-ea"/>
+              </a:rPr>
+              <a:t>户的登陆注册、文本信息的显示、视频播放的自动化、实现了多用户同时登陆等功能</a:t>
+            </a:r>
+            <a:endParaRPr lang="zh-CN" altLang="en-US"/>
+          </a:p>
+          <a:p>
+            <a:endParaRPr lang="zh-CN" altLang="en-US"/>
+          </a:p>
+          <a:p>
+            <a:r>
+              <a:rPr lang="zh-CN" altLang="en-US"/>
+              <a:t>整个项目是多人同时开发的，我们使用</a:t>
+            </a:r>
+            <a:r>
+              <a:rPr lang="en-US" altLang="zh-CN"/>
+              <a:t>github</a:t>
+            </a:r>
+            <a:r>
+              <a:rPr lang="zh-CN" altLang="en-US"/>
+              <a:t>来帮着我们管理代码，记录我们开发中的所有痕迹，</a:t>
+            </a:r>
+            <a:r>
+              <a:rPr lang="en-US" altLang="zh-CN"/>
+              <a:t>github</a:t>
+            </a:r>
+            <a:r>
+              <a:rPr lang="zh-CN" altLang="en-US"/>
+              <a:t>地址为：https://github.com/SPURSGO/PostgraduateApp.git  </a:t>
             </a:r>
             <a:endParaRPr lang="zh-CN" altLang="en-US"/>
           </a:p>
@@ -4452,6 +4822,18 @@
               </a:lnSpc>
             </a:pPr>
             <a:r>
+              <a:rPr lang="zh-CN" altLang="en-US"/>
+              <a:t>文档编辑</a:t>
+            </a:r>
+            <a:endParaRPr lang="zh-CN" altLang="en-US"/>
+          </a:p>
+          <a:p>
+            <a:pPr>
+              <a:lnSpc>
+                <a:spcPct val="150000"/>
+              </a:lnSpc>
+            </a:pPr>
+            <a:r>
               <a:rPr lang="en-US" altLang="zh-CN"/>
               <a:t>3.</a:t>
             </a:r>
@@ -4924,25 +5306,7 @@
                 <a:cs typeface="华文黑体" panose="02010600040101010101" charset="-122"/>
                 <a:sym typeface="+mn-ea"/>
               </a:rPr>
-              <a:t>张煜青                                                                                                                                     </a:t>
-            </a:r>
-            <a:r>
-              <a:rPr lang="en-US" altLang="zh-CN" sz="1800" b="0">
-                <a:latin typeface="华文黑体" panose="02010600040101010101" charset="-122"/>
-                <a:ea typeface="华文黑体" panose="02010600040101010101" charset="-122"/>
-                <a:cs typeface="华文黑体" panose="02010600040101010101" charset="-122"/>
-                <a:sym typeface="+mn-ea"/>
-              </a:rPr>
-              <a:t>	</a:t>
-            </a:r>
-            <a:r>
-              <a:rPr lang="zh-CN" altLang="en-US" sz="1800" b="0">
-                <a:latin typeface="华文黑体" panose="02010600040101010101" charset="-122"/>
-                <a:ea typeface="华文黑体" panose="02010600040101010101" charset="-122"/>
-                <a:cs typeface="华文黑体" panose="02010600040101010101" charset="-122"/>
-                <a:sym typeface="+mn-ea"/>
-              </a:rPr>
-              <a:t>周建军</a:t>
+              <a:t>张煜青                                                                                                                                     周建军</a:t>
             </a:r>
             <a:endParaRPr lang="zh-CN" altLang="en-US" sz="1800" b="0">
               <a:latin typeface="华文黑体" panose="02010600040101010101" charset="-122"/>
@@ -4965,7 +5329,7 @@
         </p:nvSpPr>
         <p:spPr>
           <a:xfrm>
-            <a:off x="647700" y="1825625"/>
+            <a:off x="1009015" y="1873885"/>
             <a:ext cx="2859405" cy="4351655"/>
           </a:xfrm>
         </p:spPr>
@@ -5024,6 +5388,233 @@
                 <a:sym typeface="+mn-ea"/>
               </a:rPr>
               <a:t>数据存储</a:t>
+            </a:r>
+            <a:endParaRPr lang="zh-CN" altLang="en-US"/>
+          </a:p>
+          <a:p>
+            <a:endParaRPr lang="zh-CN" altLang="en-US"/>
+          </a:p>
+        </p:txBody>
+      </p:sp>
+      <p:sp>
+        <p:nvSpPr>
+          <p:cNvPr id="4" name="内容占位符 2"/>
+          <p:cNvSpPr>
+            <a:spLocks noGrp="1"/>
+          </p:cNvSpPr>
+          <p:nvPr/>
+        </p:nvSpPr>
+        <p:spPr>
+          <a:xfrm>
+            <a:off x="8079740" y="1584325"/>
+            <a:ext cx="2859405" cy="4351655"/>
+          </a:xfrm>
+          <a:prstGeom prst="rect">
+            <a:avLst/>
+          </a:prstGeom>
+        </p:spPr>
+        <p:txBody>
+          <a:bodyPr vert="horz" lIns="91440" tIns="45720" rIns="91440" bIns="45720" rtlCol="0">
+            <a:normAutofit/>
+          </a:bodyPr>
+          <a:lstStyle>
+            <a:lvl1pPr marL="228600" indent="-228600" algn="l" defTabSz="914400" rtl="0" eaLnBrk="1" latinLnBrk="0" hangingPunct="1">
+              <a:lnSpc>
+                <a:spcPct val="90000"/>
+              </a:lnSpc>
+              <a:spcBef>
+                <a:spcPts val="1000"/>
+              </a:spcBef>
+              <a:buFont typeface="Arial" panose="020B0604020202020204" pitchFamily="34" charset="0"/>
+              <a:buChar char="•"/>
+              <a:defRPr sz="2000" kern="1200">
+                <a:solidFill>
+                  <a:schemeClr val="tx1">
+                    <a:lumMod val="75000"/>
+                    <a:lumOff val="25000"/>
+                  </a:schemeClr>
+                </a:solidFill>
+                <a:latin typeface="+mn-lt"/>
+                <a:ea typeface="+mn-ea"/>
+                <a:cs typeface="+mn-cs"/>
+              </a:defRPr>
+            </a:lvl1pPr>
+            <a:lvl2pPr marL="685800" indent="-228600" algn="l" defTabSz="914400" rtl="0" eaLnBrk="1" latinLnBrk="0" hangingPunct="1">
+              <a:lnSpc>
+                <a:spcPct val="90000"/>
+              </a:lnSpc>
+              <a:spcBef>
+                <a:spcPts val="500"/>
+              </a:spcBef>
+              <a:buFont typeface="Arial" panose="020B0604020202020204" pitchFamily="34" charset="0"/>
+              <a:buChar char="•"/>
+              <a:defRPr sz="1800" kern="1200">
+                <a:solidFill>
+                  <a:schemeClr val="tx1">
+                    <a:lumMod val="75000"/>
+                    <a:lumOff val="25000"/>
+                  </a:schemeClr>
+                </a:solidFill>
+                <a:latin typeface="+mn-lt"/>
+                <a:ea typeface="+mn-ea"/>
+                <a:cs typeface="+mn-cs"/>
+              </a:defRPr>
+            </a:lvl2pPr>
+            <a:lvl3pPr marL="1143000" indent="-228600" algn="l" defTabSz="914400" rtl="0" eaLnBrk="1" latinLnBrk="0" hangingPunct="1">
+              <a:lnSpc>
+                <a:spcPct val="90000"/>
+              </a:lnSpc>
+              <a:spcBef>
+                <a:spcPts val="500"/>
+              </a:spcBef>
+              <a:buFont typeface="Arial" panose="020B0604020202020204" pitchFamily="34" charset="0"/>
+              <a:buChar char="•"/>
+              <a:defRPr sz="1600" kern="1200">
+                <a:solidFill>
+                  <a:schemeClr val="tx1">
+                    <a:lumMod val="75000"/>
+                    <a:lumOff val="25000"/>
+                  </a:schemeClr>
+                </a:solidFill>
+                <a:latin typeface="+mn-lt"/>
+                <a:ea typeface="+mn-ea"/>
+                <a:cs typeface="+mn-cs"/>
+              </a:defRPr>
+            </a:lvl3pPr>
+            <a:lvl4pPr marL="1600200" indent="-228600" algn="l" defTabSz="914400" rtl="0" eaLnBrk="1" latinLnBrk="0" hangingPunct="1">
+              <a:lnSpc>
+                <a:spcPct val="90000"/>
+              </a:lnSpc>
+              <a:spcBef>
+                <a:spcPts val="500"/>
+              </a:spcBef>
+              <a:buFont typeface="Arial" panose="020B0604020202020204" pitchFamily="34" charset="0"/>
+              <a:buChar char="•"/>
+              <a:defRPr sz="1600" kern="1200">
+                <a:solidFill>
+                  <a:schemeClr val="tx1">
+                    <a:lumMod val="75000"/>
+                    <a:lumOff val="25000"/>
+                  </a:schemeClr>
+                </a:solidFill>
+                <a:latin typeface="+mn-lt"/>
+                <a:ea typeface="+mn-ea"/>
+                <a:cs typeface="+mn-cs"/>
+              </a:defRPr>
+            </a:lvl4pPr>
+            <a:lvl5pPr marL="2057400" indent="-228600" algn="l" defTabSz="914400" rtl="0" eaLnBrk="1" latinLnBrk="0" hangingPunct="1">
+              <a:lnSpc>
+                <a:spcPct val="90000"/>
+              </a:lnSpc>
+              <a:spcBef>
+                <a:spcPts val="500"/>
+              </a:spcBef>
+              <a:buFont typeface="Arial" panose="020B0604020202020204" pitchFamily="34" charset="0"/>
+              <a:buChar char="•"/>
+              <a:defRPr sz="1600" kern="1200">
+                <a:solidFill>
+                  <a:schemeClr val="tx1">
+                    <a:lumMod val="75000"/>
+                    <a:lumOff val="25000"/>
+                  </a:schemeClr>
+                </a:solidFill>
+                <a:latin typeface="+mn-lt"/>
+                <a:ea typeface="+mn-ea"/>
+                <a:cs typeface="+mn-cs"/>
+              </a:defRPr>
+            </a:lvl5pPr>
+            <a:lvl6pPr marL="2514600" indent="-228600" algn="l" defTabSz="914400" rtl="0" eaLnBrk="1" latinLnBrk="0" hangingPunct="1">
+              <a:lnSpc>
+                <a:spcPct val="90000"/>
+              </a:lnSpc>
+              <a:spcBef>
+                <a:spcPts val="500"/>
+              </a:spcBef>
+              <a:buFont typeface="Arial" panose="020B0604020202020204" pitchFamily="34" charset="0"/>
+              <a:buChar char="•"/>
+              <a:defRPr sz="1800" kern="1200">
+                <a:solidFill>
+                  <a:schemeClr val="tx1"/>
+                </a:solidFill>
+                <a:latin typeface="+mn-lt"/>
+                <a:ea typeface="+mn-ea"/>
+                <a:cs typeface="+mn-cs"/>
+              </a:defRPr>
+            </a:lvl6pPr>
+            <a:lvl7pPr marL="2971800" indent="-228600" algn="l" defTabSz="914400" rtl="0" eaLnBrk="1" latinLnBrk="0" hangingPunct="1">
+              <a:lnSpc>
+                <a:spcPct val="90000"/>
+              </a:lnSpc>
+              <a:spcBef>
+                <a:spcPts val="500"/>
+              </a:spcBef>
+              <a:buFont typeface="Arial" panose="020B0604020202020204" pitchFamily="34" charset="0"/>
+              <a:buChar char="•"/>
+              <a:defRPr sz="1800" kern="1200">
+                <a:solidFill>
+                  <a:schemeClr val="tx1"/>
+                </a:solidFill>
+                <a:latin typeface="+mn-lt"/>
+                <a:ea typeface="+mn-ea"/>
+                <a:cs typeface="+mn-cs"/>
+              </a:defRPr>
+            </a:lvl7pPr>
+            <a:lvl8pPr marL="3429000" indent="-228600" algn="l" defTabSz="914400" rtl="0" eaLnBrk="1" latinLnBrk="0" hangingPunct="1">
+              <a:lnSpc>
+                <a:spcPct val="90000"/>
+              </a:lnSpc>
+              <a:spcBef>
+                <a:spcPts val="500"/>
+              </a:spcBef>
+              <a:buFont typeface="Arial" panose="020B0604020202020204" pitchFamily="34" charset="0"/>
+              <a:buChar char="•"/>
+              <a:defRPr sz="1800" kern="1200">
+                <a:solidFill>
+                  <a:schemeClr val="tx1"/>
+                </a:solidFill>
+                <a:latin typeface="+mn-lt"/>
+                <a:ea typeface="+mn-ea"/>
+                <a:cs typeface="+mn-cs"/>
+              </a:defRPr>
+            </a:lvl8pPr>
+            <a:lvl9pPr marL="3886200" indent="-228600" algn="l" defTabSz="914400" rtl="0" eaLnBrk="1" latinLnBrk="0" hangingPunct="1">
+              <a:lnSpc>
+                <a:spcPct val="90000"/>
+              </a:lnSpc>
+              <a:spcBef>
+                <a:spcPts val="500"/>
+              </a:spcBef>
+              <a:buFont typeface="Arial" panose="020B0604020202020204" pitchFamily="34" charset="0"/>
+              <a:buChar char="•"/>
+              <a:defRPr sz="1800" kern="1200">
+                <a:solidFill>
+                  <a:schemeClr val="tx1"/>
+                </a:solidFill>
+                <a:latin typeface="+mn-lt"/>
+                <a:ea typeface="+mn-ea"/>
+                <a:cs typeface="+mn-cs"/>
+              </a:defRPr>
+            </a:lvl9pPr>
+          </a:lstStyle>
+          <a:p>
+            <a:pPr algn="ctr"/>
+            <a:r>
+              <a:rPr lang="zh-CN" altLang="en-US"/>
+              <a:t>文档编辑</a:t>
+            </a:r>
+            <a:endParaRPr lang="zh-CN" altLang="en-US"/>
+          </a:p>
+          <a:p>
+            <a:pPr algn="ctr"/>
+            <a:endParaRPr lang="zh-CN" altLang="en-US"/>
+          </a:p>
+          <a:p>
+            <a:pPr algn="ctr"/>
+            <a:r>
+              <a:rPr lang="zh-CN" altLang="en-US">
+                <a:sym typeface="+mn-ea"/>
+              </a:rPr>
+              <a:t>部分界面设计和逻辑实现</a:t>
             </a:r>
             <a:endParaRPr lang="zh-CN" altLang="en-US"/>
           </a:p>
@@ -5212,12 +5803,6 @@
             <a:pPr marL="0" indent="0">
               <a:buNone/>
             </a:pPr>
-            <a:endParaRPr lang="zh-CN" altLang="en-US"/>
-          </a:p>
-          <a:p>
-            <a:pPr marL="0" indent="0">
-              <a:buNone/>
-            </a:pPr>
             <a:r>
               <a:rPr lang="zh-CN" altLang="en-US"/>
               <a:t>项目结构目录：</a:t>
@@ -5228,7 +5813,7 @@
       </p:sp>
       <p:pic>
         <p:nvPicPr>
-          <p:cNvPr id="4" name="图片 3"/>
+          <p:cNvPr id="21" name="图片 20" descr="项目结构1"/>
           <p:cNvPicPr>
             <a:picLocks noChangeAspect="1"/>
           </p:cNvPicPr>
@@ -5242,14 +5827,972 @@
         </p:blipFill>
         <p:spPr>
           <a:xfrm>
-            <a:off x="3117215" y="3944620"/>
-            <a:ext cx="4238625" cy="2066925"/>
+            <a:off x="434975" y="4184650"/>
+            <a:ext cx="6986270" cy="2124075"/>
           </a:xfrm>
           <a:prstGeom prst="rect">
             <a:avLst/>
           </a:prstGeom>
         </p:spPr>
       </p:pic>
+      <p:pic>
+        <p:nvPicPr>
+          <p:cNvPr id="4" name="图片 3"/>
+          <p:cNvPicPr>
+            <a:picLocks noChangeAspect="1"/>
+          </p:cNvPicPr>
+          <p:nvPr/>
+        </p:nvPicPr>
+        <p:blipFill>
+          <a:blip r:embed="rId2"/>
+          <a:stretch>
+            <a:fillRect/>
+          </a:stretch>
+        </p:blipFill>
+        <p:spPr>
+          <a:xfrm>
+            <a:off x="9408160" y="635000"/>
+            <a:ext cx="2733675" cy="5877560"/>
+          </a:xfrm>
+          <a:prstGeom prst="rect">
+            <a:avLst/>
+          </a:prstGeom>
+        </p:spPr>
+      </p:pic>
+      <p:pic>
+        <p:nvPicPr>
+          <p:cNvPr id="5" name="图片 4"/>
+          <p:cNvPicPr>
+            <a:picLocks noChangeAspect="1"/>
+          </p:cNvPicPr>
+          <p:nvPr/>
+        </p:nvPicPr>
+        <p:blipFill>
+          <a:blip r:embed="rId3"/>
+          <a:srcRect b="54697"/>
+          <a:stretch>
+            <a:fillRect/>
+          </a:stretch>
+        </p:blipFill>
+        <p:spPr>
+          <a:xfrm>
+            <a:off x="6499225" y="1369060"/>
+            <a:ext cx="2733675" cy="2330450"/>
+          </a:xfrm>
+          <a:prstGeom prst="rect">
+            <a:avLst/>
+          </a:prstGeom>
+        </p:spPr>
+      </p:pic>
+      <p:sp>
+        <p:nvSpPr>
+          <p:cNvPr id="6" name="文本框 5"/>
+          <p:cNvSpPr txBox="1"/>
+          <p:nvPr/>
+        </p:nvSpPr>
+        <p:spPr>
+          <a:xfrm>
+            <a:off x="2150745" y="6379210"/>
+            <a:ext cx="3399790" cy="368300"/>
+          </a:xfrm>
+          <a:prstGeom prst="rect">
+            <a:avLst/>
+          </a:prstGeom>
+          <a:noFill/>
+        </p:spPr>
+        <p:txBody>
+          <a:bodyPr wrap="square" rtlCol="0">
+            <a:spAutoFit/>
+          </a:bodyPr>
+          <a:p>
+            <a:r>
+              <a:rPr lang="en-US" altLang="zh-CN"/>
+              <a:t>github</a:t>
+            </a:r>
+            <a:r>
+              <a:rPr lang="zh-CN" altLang="en-US"/>
+              <a:t>上的结构目录：</a:t>
+            </a:r>
+            <a:endParaRPr lang="zh-CN" altLang="en-US"/>
+          </a:p>
+        </p:txBody>
+      </p:sp>
+      <p:sp>
+        <p:nvSpPr>
+          <p:cNvPr id="7" name="文本框 6"/>
+          <p:cNvSpPr txBox="1"/>
+          <p:nvPr/>
+        </p:nvSpPr>
+        <p:spPr>
+          <a:xfrm>
+            <a:off x="6747510" y="1000760"/>
+            <a:ext cx="2520315" cy="368300"/>
+          </a:xfrm>
+          <a:prstGeom prst="rect">
+            <a:avLst/>
+          </a:prstGeom>
+          <a:noFill/>
+        </p:spPr>
+        <p:txBody>
+          <a:bodyPr wrap="square" rtlCol="0">
+            <a:spAutoFit/>
+          </a:bodyPr>
+          <a:p>
+            <a:r>
+              <a:rPr lang="zh-CN" altLang="en-US"/>
+              <a:t>服务器端：</a:t>
+            </a:r>
+            <a:endParaRPr lang="zh-CN" altLang="en-US"/>
+          </a:p>
+        </p:txBody>
+      </p:sp>
+      <p:sp>
+        <p:nvSpPr>
+          <p:cNvPr id="8" name="文本框 7"/>
+          <p:cNvSpPr txBox="1"/>
+          <p:nvPr/>
+        </p:nvSpPr>
+        <p:spPr>
+          <a:xfrm>
+            <a:off x="9690100" y="267970"/>
+            <a:ext cx="1524000" cy="368300"/>
+          </a:xfrm>
+          <a:prstGeom prst="rect">
+            <a:avLst/>
+          </a:prstGeom>
+          <a:noFill/>
+        </p:spPr>
+        <p:txBody>
+          <a:bodyPr wrap="square" rtlCol="0">
+            <a:spAutoFit/>
+          </a:bodyPr>
+          <a:p>
+            <a:r>
+              <a:rPr lang="zh-CN" altLang="en-US"/>
+              <a:t>客户端：</a:t>
+            </a:r>
+            <a:endParaRPr lang="zh-CN" altLang="en-US"/>
+          </a:p>
+        </p:txBody>
+      </p:sp>
+    </p:spTree>
+  </p:cSld>
+  <p:clrMapOvr>
+    <a:masterClrMapping/>
+  </p:clrMapOvr>
+</p:sld>
+</file>
+
+<file path=ppt/slides/slide7.xml><?xml version="1.0" encoding="utf-8"?>
+<p:sld xmlns:a="http://schemas.openxmlformats.org/drawingml/2006/main" xmlns:r="http://schemas.openxmlformats.org/officeDocument/2006/relationships" xmlns:p="http://schemas.openxmlformats.org/presentationml/2006/main">
+  <p:cSld>
+    <p:bg>
+      <p:bgPr>
+        <a:gradFill>
+          <a:gsLst>
+            <a:gs pos="0">
+              <a:schemeClr val="accent1">
+                <a:lumMod val="5000"/>
+                <a:lumOff val="95000"/>
+              </a:schemeClr>
+            </a:gs>
+            <a:gs pos="74000">
+              <a:schemeClr val="accent1">
+                <a:lumMod val="45000"/>
+                <a:lumOff val="55000"/>
+              </a:schemeClr>
+            </a:gs>
+            <a:gs pos="83000">
+              <a:schemeClr val="accent1">
+                <a:lumMod val="45000"/>
+                <a:lumOff val="55000"/>
+              </a:schemeClr>
+            </a:gs>
+            <a:gs pos="100000">
+              <a:schemeClr val="accent1">
+                <a:lumMod val="30000"/>
+                <a:lumOff val="70000"/>
+              </a:schemeClr>
+            </a:gs>
+          </a:gsLst>
+          <a:lin ang="5400000" scaled="0"/>
+        </a:gradFill>
+        <a:effectLst/>
+      </p:bgPr>
+    </p:bg>
+    <p:spTree>
+      <p:nvGrpSpPr>
+        <p:cNvPr id="1" name=""/>
+        <p:cNvGrpSpPr/>
+        <p:nvPr/>
+      </p:nvGrpSpPr>
+      <p:grpSpPr/>
+      <p:sp>
+        <p:nvSpPr>
+          <p:cNvPr id="2" name="标题 1"/>
+          <p:cNvSpPr>
+            <a:spLocks noGrp="1"/>
+          </p:cNvSpPr>
+          <p:nvPr>
+            <p:ph type="title"/>
+          </p:nvPr>
+        </p:nvSpPr>
+        <p:spPr/>
+        <p:txBody>
+          <a:bodyPr/>
+          <a:p>
+            <a:r>
+              <a:rPr lang="zh-CN" altLang="en-US" sz="2800" b="0">
+                <a:latin typeface="华文黑体" panose="02010600040101010101" charset="-122"/>
+                <a:ea typeface="华文黑体" panose="02010600040101010101" charset="-122"/>
+                <a:cs typeface="华文黑体" panose="02010600040101010101" charset="-122"/>
+                <a:sym typeface="+mn-ea"/>
+              </a:rPr>
+              <a:t>项目重点难点</a:t>
+            </a:r>
+            <a:r>
+              <a:rPr lang="zh-CN" altLang="en-US" sz="1800" b="0">
+                <a:latin typeface="华文黑体" panose="02010600040101010101" charset="-122"/>
+                <a:ea typeface="华文黑体" panose="02010600040101010101" charset="-122"/>
+                <a:cs typeface="华文黑体" panose="02010600040101010101" charset="-122"/>
+                <a:sym typeface="+mn-ea"/>
+              </a:rPr>
+              <a:t>：</a:t>
+            </a:r>
+            <a:endParaRPr lang="zh-CN" altLang="en-US" sz="1800" b="0">
+              <a:latin typeface="华文黑体" panose="02010600040101010101" charset="-122"/>
+              <a:ea typeface="华文黑体" panose="02010600040101010101" charset="-122"/>
+              <a:cs typeface="华文黑体" panose="02010600040101010101" charset="-122"/>
+              <a:sym typeface="+mn-ea"/>
+            </a:endParaRPr>
+          </a:p>
+        </p:txBody>
+      </p:sp>
+      <p:sp>
+        <p:nvSpPr>
+          <p:cNvPr id="3" name="内容占位符 2"/>
+          <p:cNvSpPr>
+            <a:spLocks noGrp="1"/>
+          </p:cNvSpPr>
+          <p:nvPr>
+            <p:ph idx="1"/>
+          </p:nvPr>
+        </p:nvSpPr>
+        <p:spPr>
+          <a:xfrm>
+            <a:off x="647700" y="1815465"/>
+            <a:ext cx="6366510" cy="4243705"/>
+          </a:xfrm>
+        </p:spPr>
+        <p:txBody>
+          <a:bodyPr>
+            <a:normAutofit lnSpcReduction="20000"/>
+          </a:bodyPr>
+          <a:p>
+            <a:pPr marL="0" indent="0" algn="ctr">
+              <a:buNone/>
+            </a:pPr>
+            <a:endParaRPr lang="zh-CN" altLang="en-US"/>
+          </a:p>
+          <a:p>
+            <a:pPr marL="0" indent="0">
+              <a:buNone/>
+            </a:pPr>
+            <a:r>
+              <a:rPr lang="zh-CN" altLang="en-US">
+                <a:sym typeface="+mn-ea"/>
+              </a:rPr>
+              <a:t>服务端网络</a:t>
+            </a:r>
+            <a:r>
+              <a:rPr lang="en-US" altLang="zh-CN">
+                <a:sym typeface="+mn-ea"/>
+              </a:rPr>
+              <a:t>IO</a:t>
+            </a:r>
+            <a:r>
+              <a:rPr lang="zh-CN" altLang="en-US">
+                <a:sym typeface="+mn-ea"/>
+              </a:rPr>
+              <a:t>：</a:t>
+            </a:r>
+            <a:endParaRPr lang="zh-CN" altLang="en-US">
+              <a:sym typeface="+mn-ea"/>
+            </a:endParaRPr>
+          </a:p>
+          <a:p>
+            <a:pPr marL="0" indent="0">
+              <a:buNone/>
+            </a:pPr>
+            <a:r>
+              <a:rPr lang="en-US" altLang="zh-CN"/>
+              <a:t>	</a:t>
+            </a:r>
+            <a:r>
+              <a:rPr lang="en-US" altLang="zh-CN">
+                <a:sym typeface="+mn-ea"/>
+              </a:rPr>
+              <a:t>IO多路复用模型</a:t>
+            </a:r>
+            <a:endParaRPr lang="en-US" altLang="zh-CN">
+              <a:sym typeface="+mn-ea"/>
+            </a:endParaRPr>
+          </a:p>
+          <a:p>
+            <a:pPr marL="0" indent="0">
+              <a:buNone/>
+            </a:pPr>
+            <a:endParaRPr lang="en-US" altLang="zh-CN">
+              <a:sym typeface="+mn-ea"/>
+            </a:endParaRPr>
+          </a:p>
+          <a:p>
+            <a:pPr marL="0" indent="0">
+              <a:buNone/>
+            </a:pPr>
+            <a:r>
+              <a:rPr lang="en-US" altLang="zh-CN">
+                <a:sym typeface="+mn-ea"/>
+              </a:rPr>
+              <a:t>	半同步半反应堆线程池设计</a:t>
+            </a:r>
+            <a:endParaRPr lang="en-US" altLang="zh-CN">
+              <a:sym typeface="+mn-ea"/>
+            </a:endParaRPr>
+          </a:p>
+          <a:p>
+            <a:pPr marL="0" indent="0">
+              <a:buNone/>
+            </a:pPr>
+            <a:endParaRPr lang="en-US" altLang="zh-CN" sz="2000">
+              <a:sym typeface="+mn-ea"/>
+            </a:endParaRPr>
+          </a:p>
+          <a:p>
+            <a:pPr marL="0" indent="0">
+              <a:buNone/>
+            </a:pPr>
+            <a:r>
+              <a:rPr lang="en-US" altLang="zh-CN">
+                <a:sym typeface="+mn-ea"/>
+              </a:rPr>
+              <a:t>	</a:t>
+            </a:r>
+            <a:r>
+              <a:rPr lang="en-US" altLang="zh-CN" sz="2000">
+                <a:sym typeface="+mn-ea"/>
+              </a:rPr>
+              <a:t>共享资源——客户请求队列</a:t>
+            </a:r>
+            <a:endParaRPr lang="en-US" altLang="zh-CN" sz="2000"/>
+          </a:p>
+        </p:txBody>
+      </p:sp>
+      <p:sp>
+        <p:nvSpPr>
+          <p:cNvPr id="4" name="内容占位符 2"/>
+          <p:cNvSpPr>
+            <a:spLocks noGrp="1"/>
+          </p:cNvSpPr>
+          <p:nvPr/>
+        </p:nvSpPr>
+        <p:spPr>
+          <a:xfrm>
+            <a:off x="6274435" y="1691640"/>
+            <a:ext cx="4392930" cy="2134235"/>
+          </a:xfrm>
+          <a:prstGeom prst="rect">
+            <a:avLst/>
+          </a:prstGeom>
+        </p:spPr>
+        <p:txBody>
+          <a:bodyPr vert="horz" lIns="91440" tIns="45720" rIns="91440" bIns="45720" rtlCol="0">
+            <a:normAutofit/>
+          </a:bodyPr>
+          <a:lstStyle>
+            <a:lvl1pPr marL="228600" indent="-228600" algn="l" defTabSz="914400" rtl="0" eaLnBrk="1" latinLnBrk="0" hangingPunct="1">
+              <a:lnSpc>
+                <a:spcPct val="90000"/>
+              </a:lnSpc>
+              <a:spcBef>
+                <a:spcPts val="1000"/>
+              </a:spcBef>
+              <a:buFont typeface="Arial" panose="020B0604020202020204" pitchFamily="34" charset="0"/>
+              <a:buChar char="•"/>
+              <a:defRPr sz="2000" kern="1200">
+                <a:solidFill>
+                  <a:schemeClr val="tx1">
+                    <a:lumMod val="75000"/>
+                    <a:lumOff val="25000"/>
+                  </a:schemeClr>
+                </a:solidFill>
+                <a:latin typeface="+mn-lt"/>
+                <a:ea typeface="+mn-ea"/>
+                <a:cs typeface="+mn-cs"/>
+              </a:defRPr>
+            </a:lvl1pPr>
+            <a:lvl2pPr marL="685800" indent="-228600" algn="l" defTabSz="914400" rtl="0" eaLnBrk="1" latinLnBrk="0" hangingPunct="1">
+              <a:lnSpc>
+                <a:spcPct val="90000"/>
+              </a:lnSpc>
+              <a:spcBef>
+                <a:spcPts val="500"/>
+              </a:spcBef>
+              <a:buFont typeface="Arial" panose="020B0604020202020204" pitchFamily="34" charset="0"/>
+              <a:buChar char="•"/>
+              <a:defRPr sz="1800" kern="1200">
+                <a:solidFill>
+                  <a:schemeClr val="tx1">
+                    <a:lumMod val="75000"/>
+                    <a:lumOff val="25000"/>
+                  </a:schemeClr>
+                </a:solidFill>
+                <a:latin typeface="+mn-lt"/>
+                <a:ea typeface="+mn-ea"/>
+                <a:cs typeface="+mn-cs"/>
+              </a:defRPr>
+            </a:lvl2pPr>
+            <a:lvl3pPr marL="1143000" indent="-228600" algn="l" defTabSz="914400" rtl="0" eaLnBrk="1" latinLnBrk="0" hangingPunct="1">
+              <a:lnSpc>
+                <a:spcPct val="90000"/>
+              </a:lnSpc>
+              <a:spcBef>
+                <a:spcPts val="500"/>
+              </a:spcBef>
+              <a:buFont typeface="Arial" panose="020B0604020202020204" pitchFamily="34" charset="0"/>
+              <a:buChar char="•"/>
+              <a:defRPr sz="1600" kern="1200">
+                <a:solidFill>
+                  <a:schemeClr val="tx1">
+                    <a:lumMod val="75000"/>
+                    <a:lumOff val="25000"/>
+                  </a:schemeClr>
+                </a:solidFill>
+                <a:latin typeface="+mn-lt"/>
+                <a:ea typeface="+mn-ea"/>
+                <a:cs typeface="+mn-cs"/>
+              </a:defRPr>
+            </a:lvl3pPr>
+            <a:lvl4pPr marL="1600200" indent="-228600" algn="l" defTabSz="914400" rtl="0" eaLnBrk="1" latinLnBrk="0" hangingPunct="1">
+              <a:lnSpc>
+                <a:spcPct val="90000"/>
+              </a:lnSpc>
+              <a:spcBef>
+                <a:spcPts val="500"/>
+              </a:spcBef>
+              <a:buFont typeface="Arial" panose="020B0604020202020204" pitchFamily="34" charset="0"/>
+              <a:buChar char="•"/>
+              <a:defRPr sz="1600" kern="1200">
+                <a:solidFill>
+                  <a:schemeClr val="tx1">
+                    <a:lumMod val="75000"/>
+                    <a:lumOff val="25000"/>
+                  </a:schemeClr>
+                </a:solidFill>
+                <a:latin typeface="+mn-lt"/>
+                <a:ea typeface="+mn-ea"/>
+                <a:cs typeface="+mn-cs"/>
+              </a:defRPr>
+            </a:lvl4pPr>
+            <a:lvl5pPr marL="2057400" indent="-228600" algn="l" defTabSz="914400" rtl="0" eaLnBrk="1" latinLnBrk="0" hangingPunct="1">
+              <a:lnSpc>
+                <a:spcPct val="90000"/>
+              </a:lnSpc>
+              <a:spcBef>
+                <a:spcPts val="500"/>
+              </a:spcBef>
+              <a:buFont typeface="Arial" panose="020B0604020202020204" pitchFamily="34" charset="0"/>
+              <a:buChar char="•"/>
+              <a:defRPr sz="1600" kern="1200">
+                <a:solidFill>
+                  <a:schemeClr val="tx1">
+                    <a:lumMod val="75000"/>
+                    <a:lumOff val="25000"/>
+                  </a:schemeClr>
+                </a:solidFill>
+                <a:latin typeface="+mn-lt"/>
+                <a:ea typeface="+mn-ea"/>
+                <a:cs typeface="+mn-cs"/>
+              </a:defRPr>
+            </a:lvl5pPr>
+            <a:lvl6pPr marL="2514600" indent="-228600" algn="l" defTabSz="914400" rtl="0" eaLnBrk="1" latinLnBrk="0" hangingPunct="1">
+              <a:lnSpc>
+                <a:spcPct val="90000"/>
+              </a:lnSpc>
+              <a:spcBef>
+                <a:spcPts val="500"/>
+              </a:spcBef>
+              <a:buFont typeface="Arial" panose="020B0604020202020204" pitchFamily="34" charset="0"/>
+              <a:buChar char="•"/>
+              <a:defRPr sz="1800" kern="1200">
+                <a:solidFill>
+                  <a:schemeClr val="tx1"/>
+                </a:solidFill>
+                <a:latin typeface="+mn-lt"/>
+                <a:ea typeface="+mn-ea"/>
+                <a:cs typeface="+mn-cs"/>
+              </a:defRPr>
+            </a:lvl6pPr>
+            <a:lvl7pPr marL="2971800" indent="-228600" algn="l" defTabSz="914400" rtl="0" eaLnBrk="1" latinLnBrk="0" hangingPunct="1">
+              <a:lnSpc>
+                <a:spcPct val="90000"/>
+              </a:lnSpc>
+              <a:spcBef>
+                <a:spcPts val="500"/>
+              </a:spcBef>
+              <a:buFont typeface="Arial" panose="020B0604020202020204" pitchFamily="34" charset="0"/>
+              <a:buChar char="•"/>
+              <a:defRPr sz="1800" kern="1200">
+                <a:solidFill>
+                  <a:schemeClr val="tx1"/>
+                </a:solidFill>
+                <a:latin typeface="+mn-lt"/>
+                <a:ea typeface="+mn-ea"/>
+                <a:cs typeface="+mn-cs"/>
+              </a:defRPr>
+            </a:lvl7pPr>
+            <a:lvl8pPr marL="3429000" indent="-228600" algn="l" defTabSz="914400" rtl="0" eaLnBrk="1" latinLnBrk="0" hangingPunct="1">
+              <a:lnSpc>
+                <a:spcPct val="90000"/>
+              </a:lnSpc>
+              <a:spcBef>
+                <a:spcPts val="500"/>
+              </a:spcBef>
+              <a:buFont typeface="Arial" panose="020B0604020202020204" pitchFamily="34" charset="0"/>
+              <a:buChar char="•"/>
+              <a:defRPr sz="1800" kern="1200">
+                <a:solidFill>
+                  <a:schemeClr val="tx1"/>
+                </a:solidFill>
+                <a:latin typeface="+mn-lt"/>
+                <a:ea typeface="+mn-ea"/>
+                <a:cs typeface="+mn-cs"/>
+              </a:defRPr>
+            </a:lvl8pPr>
+            <a:lvl9pPr marL="3886200" indent="-228600" algn="l" defTabSz="914400" rtl="0" eaLnBrk="1" latinLnBrk="0" hangingPunct="1">
+              <a:lnSpc>
+                <a:spcPct val="90000"/>
+              </a:lnSpc>
+              <a:spcBef>
+                <a:spcPts val="500"/>
+              </a:spcBef>
+              <a:buFont typeface="Arial" panose="020B0604020202020204" pitchFamily="34" charset="0"/>
+              <a:buChar char="•"/>
+              <a:defRPr sz="1800" kern="1200">
+                <a:solidFill>
+                  <a:schemeClr val="tx1"/>
+                </a:solidFill>
+                <a:latin typeface="+mn-lt"/>
+                <a:ea typeface="+mn-ea"/>
+                <a:cs typeface="+mn-cs"/>
+              </a:defRPr>
+            </a:lvl9pPr>
+          </a:lstStyle>
+          <a:p>
+            <a:pPr marL="0" indent="0" algn="ctr">
+              <a:buNone/>
+            </a:pPr>
+            <a:endParaRPr lang="zh-CN" altLang="en-US"/>
+          </a:p>
+          <a:p>
+            <a:pPr marL="0" indent="0">
+              <a:buNone/>
+            </a:pPr>
+            <a:r>
+              <a:rPr lang="zh-CN" altLang="en-US">
+                <a:sym typeface="+mn-ea"/>
+              </a:rPr>
+              <a:t>客户端网络</a:t>
+            </a:r>
+            <a:r>
+              <a:rPr lang="en-US" altLang="zh-CN">
+                <a:sym typeface="+mn-ea"/>
+              </a:rPr>
+              <a:t>IO</a:t>
+            </a:r>
+            <a:r>
+              <a:rPr lang="zh-CN" altLang="en-US">
+                <a:sym typeface="+mn-ea"/>
+              </a:rPr>
+              <a:t>：</a:t>
+            </a:r>
+            <a:endParaRPr lang="zh-CN" altLang="en-US">
+              <a:sym typeface="+mn-ea"/>
+            </a:endParaRPr>
+          </a:p>
+          <a:p>
+            <a:pPr marL="0" algn="l">
+              <a:buClrTx/>
+              <a:buSzTx/>
+              <a:buNone/>
+            </a:pPr>
+            <a:r>
+              <a:rPr lang="en-US" altLang="zh-CN"/>
+              <a:t>	用户</a:t>
+            </a:r>
+            <a:r>
+              <a:rPr lang="en-US" altLang="zh-CN">
+                <a:sym typeface="+mn-ea"/>
+              </a:rPr>
+              <a:t>登陆/注册</a:t>
+            </a:r>
+            <a:endParaRPr lang="en-US" altLang="zh-CN">
+              <a:sym typeface="+mn-ea"/>
+            </a:endParaRPr>
+          </a:p>
+          <a:p>
+            <a:pPr marL="0" algn="l">
+              <a:buClrTx/>
+              <a:buSzTx/>
+              <a:buNone/>
+            </a:pPr>
+            <a:endParaRPr lang="en-US" altLang="zh-CN">
+              <a:sym typeface="+mn-ea"/>
+            </a:endParaRPr>
+          </a:p>
+          <a:p>
+            <a:pPr marL="0" algn="l">
+              <a:buClrTx/>
+              <a:buSzTx/>
+              <a:buNone/>
+            </a:pPr>
+            <a:r>
+              <a:rPr lang="en-US" altLang="zh-CN"/>
+              <a:t>	</a:t>
+            </a:r>
+            <a:r>
+              <a:rPr lang="en-US" altLang="zh-CN">
+                <a:sym typeface="+mn-ea"/>
+              </a:rPr>
+              <a:t>文件数据传输</a:t>
+            </a:r>
+            <a:endParaRPr lang="en-US" altLang="zh-CN"/>
+          </a:p>
+        </p:txBody>
+      </p:sp>
+    </p:spTree>
+  </p:cSld>
+  <p:clrMapOvr>
+    <a:masterClrMapping/>
+  </p:clrMapOvr>
+</p:sld>
+</file>
+
+<file path=ppt/slides/slide8.xml><?xml version="1.0" encoding="utf-8"?>
+<p:sld xmlns:a="http://schemas.openxmlformats.org/drawingml/2006/main" xmlns:r="http://schemas.openxmlformats.org/officeDocument/2006/relationships" xmlns:p="http://schemas.openxmlformats.org/presentationml/2006/main">
+  <p:cSld>
+    <p:bg>
+      <p:bgPr>
+        <a:gradFill>
+          <a:gsLst>
+            <a:gs pos="0">
+              <a:schemeClr val="accent1">
+                <a:lumMod val="5000"/>
+                <a:lumOff val="95000"/>
+              </a:schemeClr>
+            </a:gs>
+            <a:gs pos="74000">
+              <a:schemeClr val="accent1">
+                <a:lumMod val="45000"/>
+                <a:lumOff val="55000"/>
+              </a:schemeClr>
+            </a:gs>
+            <a:gs pos="83000">
+              <a:schemeClr val="accent1">
+                <a:lumMod val="45000"/>
+                <a:lumOff val="55000"/>
+              </a:schemeClr>
+            </a:gs>
+            <a:gs pos="100000">
+              <a:schemeClr val="accent1">
+                <a:lumMod val="30000"/>
+                <a:lumOff val="70000"/>
+              </a:schemeClr>
+            </a:gs>
+          </a:gsLst>
+          <a:lin ang="5400000" scaled="0"/>
+        </a:gradFill>
+        <a:effectLst/>
+      </p:bgPr>
+    </p:bg>
+    <p:spTree>
+      <p:nvGrpSpPr>
+        <p:cNvPr id="1" name=""/>
+        <p:cNvGrpSpPr/>
+        <p:nvPr/>
+      </p:nvGrpSpPr>
+      <p:grpSpPr/>
+      <p:sp>
+        <p:nvSpPr>
+          <p:cNvPr id="2" name="标题 1"/>
+          <p:cNvSpPr>
+            <a:spLocks noGrp="1"/>
+          </p:cNvSpPr>
+          <p:nvPr>
+            <p:ph type="title"/>
+          </p:nvPr>
+        </p:nvSpPr>
+        <p:spPr/>
+        <p:txBody>
+          <a:bodyPr/>
+          <a:p>
+            <a:r>
+              <a:rPr lang="zh-CN" altLang="en-US" sz="2800" b="0">
+                <a:latin typeface="华文黑体" panose="02010600040101010101" charset="-122"/>
+                <a:ea typeface="华文黑体" panose="02010600040101010101" charset="-122"/>
+                <a:cs typeface="华文黑体" panose="02010600040101010101" charset="-122"/>
+                <a:sym typeface="+mn-ea"/>
+              </a:rPr>
+              <a:t>核心代码展示： </a:t>
+            </a:r>
+            <a:endParaRPr lang="zh-CN" altLang="en-US" sz="2800" b="0">
+              <a:latin typeface="华文黑体" panose="02010600040101010101" charset="-122"/>
+              <a:ea typeface="华文黑体" panose="02010600040101010101" charset="-122"/>
+              <a:cs typeface="华文黑体" panose="02010600040101010101" charset="-122"/>
+              <a:sym typeface="+mn-ea"/>
+            </a:endParaRPr>
+          </a:p>
+        </p:txBody>
+      </p:sp>
+      <p:pic>
+        <p:nvPicPr>
+          <p:cNvPr id="6" name="内容占位符 5"/>
+          <p:cNvPicPr>
+            <a:picLocks noChangeAspect="1"/>
+          </p:cNvPicPr>
+          <p:nvPr>
+            <p:ph idx="1"/>
+          </p:nvPr>
+        </p:nvPicPr>
+        <p:blipFill>
+          <a:blip r:embed="rId1"/>
+          <a:stretch>
+            <a:fillRect/>
+          </a:stretch>
+        </p:blipFill>
+        <p:spPr>
+          <a:xfrm>
+            <a:off x="134620" y="1764030"/>
+            <a:ext cx="8220075" cy="3829050"/>
+          </a:xfrm>
+          <a:prstGeom prst="rect">
+            <a:avLst/>
+          </a:prstGeom>
+        </p:spPr>
+      </p:pic>
+      <p:sp>
+        <p:nvSpPr>
+          <p:cNvPr id="7" name="文本框 6"/>
+          <p:cNvSpPr txBox="1"/>
+          <p:nvPr/>
+        </p:nvSpPr>
+        <p:spPr>
+          <a:xfrm>
+            <a:off x="1151890" y="1311910"/>
+            <a:ext cx="5372735" cy="368300"/>
+          </a:xfrm>
+          <a:prstGeom prst="rect">
+            <a:avLst/>
+          </a:prstGeom>
+          <a:noFill/>
+        </p:spPr>
+        <p:txBody>
+          <a:bodyPr wrap="square" rtlCol="0">
+            <a:spAutoFit/>
+          </a:bodyPr>
+          <a:p>
+            <a:r>
+              <a:rPr lang="zh-CN" altLang="en-US"/>
+              <a:t>用户登陆客户端相关代码：</a:t>
+            </a:r>
+            <a:endParaRPr lang="zh-CN" altLang="en-US"/>
+          </a:p>
+        </p:txBody>
+      </p:sp>
+      <p:sp>
+        <p:nvSpPr>
+          <p:cNvPr id="9" name="文本框 8"/>
+          <p:cNvSpPr txBox="1"/>
+          <p:nvPr/>
+        </p:nvSpPr>
+        <p:spPr>
+          <a:xfrm>
+            <a:off x="8420100" y="3157855"/>
+            <a:ext cx="3369945" cy="368300"/>
+          </a:xfrm>
+          <a:prstGeom prst="rect">
+            <a:avLst/>
+          </a:prstGeom>
+          <a:noFill/>
+        </p:spPr>
+        <p:txBody>
+          <a:bodyPr wrap="square" rtlCol="0">
+            <a:spAutoFit/>
+          </a:bodyPr>
+          <a:p>
+            <a:r>
+              <a:rPr lang="zh-CN" altLang="en-US"/>
+              <a:t>用户登陆服务端相关代码：</a:t>
+            </a:r>
+            <a:endParaRPr lang="zh-CN" altLang="en-US"/>
+          </a:p>
+        </p:txBody>
+      </p:sp>
+      <p:pic>
+        <p:nvPicPr>
+          <p:cNvPr id="10" name="图片 9"/>
+          <p:cNvPicPr>
+            <a:picLocks noChangeAspect="1"/>
+          </p:cNvPicPr>
+          <p:nvPr/>
+        </p:nvPicPr>
+        <p:blipFill>
+          <a:blip r:embed="rId2"/>
+          <a:stretch>
+            <a:fillRect/>
+          </a:stretch>
+        </p:blipFill>
+        <p:spPr>
+          <a:xfrm>
+            <a:off x="3996690" y="3726180"/>
+            <a:ext cx="8096250" cy="2943225"/>
+          </a:xfrm>
+          <a:prstGeom prst="rect">
+            <a:avLst/>
+          </a:prstGeom>
+        </p:spPr>
+      </p:pic>
+    </p:spTree>
+  </p:cSld>
+  <p:clrMapOvr>
+    <a:masterClrMapping/>
+  </p:clrMapOvr>
+</p:sld>
+</file>
+
+<file path=ppt/slides/slide9.xml><?xml version="1.0" encoding="utf-8"?>
+<p:sld xmlns:a="http://schemas.openxmlformats.org/drawingml/2006/main" xmlns:r="http://schemas.openxmlformats.org/officeDocument/2006/relationships" xmlns:p="http://schemas.openxmlformats.org/presentationml/2006/main">
+  <p:cSld>
+    <p:bg>
+      <p:bgPr>
+        <a:gradFill>
+          <a:gsLst>
+            <a:gs pos="0">
+              <a:schemeClr val="accent1">
+                <a:lumMod val="5000"/>
+                <a:lumOff val="95000"/>
+              </a:schemeClr>
+            </a:gs>
+            <a:gs pos="74000">
+              <a:schemeClr val="accent1">
+                <a:lumMod val="45000"/>
+                <a:lumOff val="55000"/>
+              </a:schemeClr>
+            </a:gs>
+            <a:gs pos="83000">
+              <a:schemeClr val="accent1">
+                <a:lumMod val="45000"/>
+                <a:lumOff val="55000"/>
+              </a:schemeClr>
+            </a:gs>
+            <a:gs pos="100000">
+              <a:schemeClr val="accent1">
+                <a:lumMod val="30000"/>
+                <a:lumOff val="70000"/>
+              </a:schemeClr>
+            </a:gs>
+          </a:gsLst>
+          <a:lin ang="5400000" scaled="0"/>
+        </a:gradFill>
+        <a:effectLst/>
+      </p:bgPr>
+    </p:bg>
+    <p:spTree>
+      <p:nvGrpSpPr>
+        <p:cNvPr id="1" name=""/>
+        <p:cNvGrpSpPr/>
+        <p:nvPr/>
+      </p:nvGrpSpPr>
+      <p:grpSpPr/>
+      <p:pic>
+        <p:nvPicPr>
+          <p:cNvPr id="6" name="内容占位符 5"/>
+          <p:cNvPicPr>
+            <a:picLocks noChangeAspect="1"/>
+          </p:cNvPicPr>
+          <p:nvPr>
+            <p:ph idx="1"/>
+          </p:nvPr>
+        </p:nvPicPr>
+        <p:blipFill>
+          <a:blip r:embed="rId1"/>
+          <a:stretch>
+            <a:fillRect/>
+          </a:stretch>
+        </p:blipFill>
+        <p:spPr>
+          <a:xfrm>
+            <a:off x="41910" y="1227455"/>
+            <a:ext cx="5276850" cy="1647825"/>
+          </a:xfrm>
+          <a:prstGeom prst="rect">
+            <a:avLst/>
+          </a:prstGeom>
+        </p:spPr>
+      </p:pic>
+      <p:pic>
+        <p:nvPicPr>
+          <p:cNvPr id="8" name="图片 7"/>
+          <p:cNvPicPr>
+            <a:picLocks noChangeAspect="1"/>
+          </p:cNvPicPr>
+          <p:nvPr/>
+        </p:nvPicPr>
+        <p:blipFill>
+          <a:blip r:embed="rId2"/>
+          <a:stretch>
+            <a:fillRect/>
+          </a:stretch>
+        </p:blipFill>
+        <p:spPr>
+          <a:xfrm>
+            <a:off x="3845560" y="2567940"/>
+            <a:ext cx="8096250" cy="4143375"/>
+          </a:xfrm>
+          <a:prstGeom prst="rect">
+            <a:avLst/>
+          </a:prstGeom>
+        </p:spPr>
+      </p:pic>
+      <p:sp>
+        <p:nvSpPr>
+          <p:cNvPr id="9" name="文本框 8"/>
+          <p:cNvSpPr txBox="1"/>
+          <p:nvPr/>
+        </p:nvSpPr>
+        <p:spPr>
+          <a:xfrm>
+            <a:off x="1142365" y="531495"/>
+            <a:ext cx="3575050" cy="368300"/>
+          </a:xfrm>
+          <a:prstGeom prst="rect">
+            <a:avLst/>
+          </a:prstGeom>
+          <a:noFill/>
+        </p:spPr>
+        <p:txBody>
+          <a:bodyPr wrap="square" rtlCol="0">
+            <a:spAutoFit/>
+          </a:bodyPr>
+          <a:p>
+            <a:r>
+              <a:rPr lang="zh-CN" altLang="en-US"/>
+              <a:t>文章传输部分代码：</a:t>
+            </a:r>
+            <a:endParaRPr lang="zh-CN" altLang="en-US"/>
+          </a:p>
+        </p:txBody>
+      </p:sp>
     </p:spTree>
   </p:cSld>
   <p:clrMapOvr>
